--- a/Kickstarter predikcija.pptx
+++ b/Kickstarter predikcija.pptx
@@ -15,8 +15,10 @@
     <p:sldId id="263" r:id="rId9"/>
     <p:sldId id="268" r:id="rId10"/>
     <p:sldId id="267" r:id="rId11"/>
-    <p:sldId id="266" r:id="rId12"/>
-    <p:sldId id="265" r:id="rId13"/>
+    <p:sldId id="269" r:id="rId12"/>
+    <p:sldId id="266" r:id="rId13"/>
+    <p:sldId id="265" r:id="rId14"/>
+    <p:sldId id="270" r:id="rId15"/>
   </p:sldIdLst>
   <p:sldSz cx="12192000" cy="6858000"/>
   <p:notesSz cx="6858000" cy="9144000"/>
@@ -115,6 +117,11 @@
       </a:defRPr>
     </a:lvl9pPr>
   </p:defaultTextStyle>
+  <p:extLst>
+    <p:ext uri="{EFAFB233-063F-42B5-8137-9DF3F51BA10A}">
+      <p15:sldGuideLst xmlns:p15="http://schemas.microsoft.com/office/powerpoint/2012/main"/>
+    </p:ext>
+  </p:extLst>
 </p:presentation>
 </file>
 
@@ -1876,7 +1883,7 @@
           <a:p>
             <a:fld id="{2C328990-5B02-4BD5-91AE-8EC19FDF7632}" type="datetimeFigureOut">
               <a:rPr lang="sr-Latn-RS" smtClean="0"/>
-              <a:t>4.4.2023.</a:t>
+              <a:t>5.4.2023.</a:t>
             </a:fld>
             <a:endParaRPr lang="sr-Latn-RS"/>
           </a:p>
@@ -2157,7 +2164,7 @@
           <a:p>
             <a:fld id="{2C328990-5B02-4BD5-91AE-8EC19FDF7632}" type="datetimeFigureOut">
               <a:rPr lang="sr-Latn-RS" smtClean="0"/>
-              <a:t>4.4.2023.</a:t>
+              <a:t>5.4.2023.</a:t>
             </a:fld>
             <a:endParaRPr lang="sr-Latn-RS"/>
           </a:p>
@@ -2349,7 +2356,7 @@
           <a:p>
             <a:fld id="{2C328990-5B02-4BD5-91AE-8EC19FDF7632}" type="datetimeFigureOut">
               <a:rPr lang="sr-Latn-RS" smtClean="0"/>
-              <a:t>4.4.2023.</a:t>
+              <a:t>5.4.2023.</a:t>
             </a:fld>
             <a:endParaRPr lang="sr-Latn-RS"/>
           </a:p>
@@ -2610,7 +2617,7 @@
           <a:p>
             <a:fld id="{2C328990-5B02-4BD5-91AE-8EC19FDF7632}" type="datetimeFigureOut">
               <a:rPr lang="sr-Latn-RS" smtClean="0"/>
-              <a:t>4.4.2023.</a:t>
+              <a:t>5.4.2023.</a:t>
             </a:fld>
             <a:endParaRPr lang="sr-Latn-RS"/>
           </a:p>
@@ -3036,7 +3043,7 @@
           <a:p>
             <a:fld id="{2C328990-5B02-4BD5-91AE-8EC19FDF7632}" type="datetimeFigureOut">
               <a:rPr lang="sr-Latn-RS" smtClean="0"/>
-              <a:t>4.4.2023.</a:t>
+              <a:t>5.4.2023.</a:t>
             </a:fld>
             <a:endParaRPr lang="sr-Latn-RS"/>
           </a:p>
@@ -3582,7 +3589,7 @@
           <a:p>
             <a:fld id="{2C328990-5B02-4BD5-91AE-8EC19FDF7632}" type="datetimeFigureOut">
               <a:rPr lang="sr-Latn-RS" smtClean="0"/>
-              <a:t>4.4.2023.</a:t>
+              <a:t>5.4.2023.</a:t>
             </a:fld>
             <a:endParaRPr lang="sr-Latn-RS"/>
           </a:p>
@@ -4413,7 +4420,7 @@
           <a:p>
             <a:fld id="{2C328990-5B02-4BD5-91AE-8EC19FDF7632}" type="datetimeFigureOut">
               <a:rPr lang="sr-Latn-RS" smtClean="0"/>
-              <a:t>4.4.2023.</a:t>
+              <a:t>5.4.2023.</a:t>
             </a:fld>
             <a:endParaRPr lang="sr-Latn-RS"/>
           </a:p>
@@ -4583,7 +4590,7 @@
           <a:p>
             <a:fld id="{2C328990-5B02-4BD5-91AE-8EC19FDF7632}" type="datetimeFigureOut">
               <a:rPr lang="sr-Latn-RS" smtClean="0"/>
-              <a:t>4.4.2023.</a:t>
+              <a:t>5.4.2023.</a:t>
             </a:fld>
             <a:endParaRPr lang="sr-Latn-RS"/>
           </a:p>
@@ -4763,7 +4770,7 @@
           <a:p>
             <a:fld id="{2C328990-5B02-4BD5-91AE-8EC19FDF7632}" type="datetimeFigureOut">
               <a:rPr lang="sr-Latn-RS" smtClean="0"/>
-              <a:t>4.4.2023.</a:t>
+              <a:t>5.4.2023.</a:t>
             </a:fld>
             <a:endParaRPr lang="sr-Latn-RS"/>
           </a:p>
@@ -4933,7 +4940,7 @@
           <a:p>
             <a:fld id="{2C328990-5B02-4BD5-91AE-8EC19FDF7632}" type="datetimeFigureOut">
               <a:rPr lang="sr-Latn-RS" smtClean="0"/>
-              <a:t>4.4.2023.</a:t>
+              <a:t>5.4.2023.</a:t>
             </a:fld>
             <a:endParaRPr lang="sr-Latn-RS"/>
           </a:p>
@@ -5190,7 +5197,7 @@
           <a:p>
             <a:fld id="{2C328990-5B02-4BD5-91AE-8EC19FDF7632}" type="datetimeFigureOut">
               <a:rPr lang="sr-Latn-RS" smtClean="0"/>
-              <a:t>4.4.2023.</a:t>
+              <a:t>5.4.2023.</a:t>
             </a:fld>
             <a:endParaRPr lang="sr-Latn-RS"/>
           </a:p>
@@ -5422,7 +5429,7 @@
           <a:p>
             <a:fld id="{2C328990-5B02-4BD5-91AE-8EC19FDF7632}" type="datetimeFigureOut">
               <a:rPr lang="sr-Latn-RS" smtClean="0"/>
-              <a:t>4.4.2023.</a:t>
+              <a:t>5.4.2023.</a:t>
             </a:fld>
             <a:endParaRPr lang="sr-Latn-RS"/>
           </a:p>
@@ -5815,7 +5822,7 @@
           <a:p>
             <a:fld id="{2C328990-5B02-4BD5-91AE-8EC19FDF7632}" type="datetimeFigureOut">
               <a:rPr lang="sr-Latn-RS" smtClean="0"/>
-              <a:t>4.4.2023.</a:t>
+              <a:t>5.4.2023.</a:t>
             </a:fld>
             <a:endParaRPr lang="sr-Latn-RS"/>
           </a:p>
@@ -5933,7 +5940,7 @@
           <a:p>
             <a:fld id="{2C328990-5B02-4BD5-91AE-8EC19FDF7632}" type="datetimeFigureOut">
               <a:rPr lang="sr-Latn-RS" smtClean="0"/>
-              <a:t>4.4.2023.</a:t>
+              <a:t>5.4.2023.</a:t>
             </a:fld>
             <a:endParaRPr lang="sr-Latn-RS"/>
           </a:p>
@@ -6028,7 +6035,7 @@
           <a:p>
             <a:fld id="{2C328990-5B02-4BD5-91AE-8EC19FDF7632}" type="datetimeFigureOut">
               <a:rPr lang="sr-Latn-RS" smtClean="0"/>
-              <a:t>4.4.2023.</a:t>
+              <a:t>5.4.2023.</a:t>
             </a:fld>
             <a:endParaRPr lang="sr-Latn-RS"/>
           </a:p>
@@ -6301,7 +6308,7 @@
           <a:p>
             <a:fld id="{2C328990-5B02-4BD5-91AE-8EC19FDF7632}" type="datetimeFigureOut">
               <a:rPr lang="sr-Latn-RS" smtClean="0"/>
-              <a:t>4.4.2023.</a:t>
+              <a:t>5.4.2023.</a:t>
             </a:fld>
             <a:endParaRPr lang="sr-Latn-RS"/>
           </a:p>
@@ -6582,7 +6589,7 @@
           <a:p>
             <a:fld id="{2C328990-5B02-4BD5-91AE-8EC19FDF7632}" type="datetimeFigureOut">
               <a:rPr lang="sr-Latn-RS" smtClean="0"/>
-              <a:t>4.4.2023.</a:t>
+              <a:t>5.4.2023.</a:t>
             </a:fld>
             <a:endParaRPr lang="sr-Latn-RS"/>
           </a:p>
@@ -6822,7 +6829,7 @@
           <a:p>
             <a:fld id="{2C328990-5B02-4BD5-91AE-8EC19FDF7632}" type="datetimeFigureOut">
               <a:rPr lang="sr-Latn-RS" smtClean="0"/>
-              <a:t>4.4.2023.</a:t>
+              <a:t>5.4.2023.</a:t>
             </a:fld>
             <a:endParaRPr lang="sr-Latn-RS"/>
           </a:p>
@@ -7575,6 +7582,36 @@
           </a:p>
         </p:txBody>
       </p:sp>
+      <p:pic>
+        <p:nvPicPr>
+          <p:cNvPr id="5" name="Picture 4">
+            <a:extLst>
+              <a:ext uri="{FF2B5EF4-FFF2-40B4-BE49-F238E27FC236}">
+                <a16:creationId xmlns:a16="http://schemas.microsoft.com/office/drawing/2014/main" id="{DEE921EC-7BDC-27EF-0C95-05F227DB2A88}"/>
+              </a:ext>
+            </a:extLst>
+          </p:cNvPr>
+          <p:cNvPicPr>
+            <a:picLocks noChangeAspect="1"/>
+          </p:cNvPicPr>
+          <p:nvPr/>
+        </p:nvPicPr>
+        <p:blipFill>
+          <a:blip r:embed="rId2"/>
+          <a:stretch>
+            <a:fillRect/>
+          </a:stretch>
+        </p:blipFill>
+        <p:spPr>
+          <a:xfrm>
+            <a:off x="1558898" y="2547937"/>
+            <a:ext cx="9074203" cy="3763963"/>
+          </a:xfrm>
+          <a:prstGeom prst="rect">
+            <a:avLst/>
+          </a:prstGeom>
+        </p:spPr>
+      </p:pic>
     </p:spTree>
     <p:extLst>
       <p:ext uri="{BB962C8B-B14F-4D97-AF65-F5344CB8AC3E}">
@@ -7627,49 +7664,54 @@
           <a:lstStyle/>
           <a:p>
             <a:r>
+              <a:rPr lang="en-US" dirty="0" err="1"/>
+              <a:t>XGBoost</a:t>
+            </a:r>
+            <a:r>
+              <a:rPr lang="en-US" dirty="0"/>
+              <a:t> </a:t>
+            </a:r>
+            <a:r>
               <a:rPr lang="sr-Latn-RS" dirty="0"/>
-              <a:t>Rezultati</a:t>
-            </a:r>
-          </a:p>
-        </p:txBody>
-      </p:sp>
-      <p:sp>
-        <p:nvSpPr>
-          <p:cNvPr id="3" name="Content Placeholder 2">
+              <a:t>važnost klasifikatora</a:t>
+            </a:r>
+          </a:p>
+        </p:txBody>
+      </p:sp>
+      <p:pic>
+        <p:nvPicPr>
+          <p:cNvPr id="6" name="Picture 5">
             <a:extLst>
               <a:ext uri="{FF2B5EF4-FFF2-40B4-BE49-F238E27FC236}">
-                <a16:creationId xmlns:a16="http://schemas.microsoft.com/office/drawing/2014/main" id="{AF38ECB6-F746-CAD6-ACA2-0C1A7811CDD6}"/>
+                <a16:creationId xmlns:a16="http://schemas.microsoft.com/office/drawing/2014/main" id="{36482373-F0E8-9813-423A-3565F20F0784}"/>
               </a:ext>
             </a:extLst>
           </p:cNvPr>
-          <p:cNvSpPr>
-            <a:spLocks noGrp="1"/>
-          </p:cNvSpPr>
-          <p:nvPr>
-            <p:ph idx="1"/>
-          </p:nvPr>
-        </p:nvSpPr>
-        <p:spPr/>
-        <p:txBody>
-          <a:bodyPr/>
-          <a:lstStyle/>
-          <a:p>
-            <a:r>
-              <a:rPr lang="sr-Latn-RS" dirty="0"/>
-              <a:t>Naive </a:t>
-            </a:r>
-            <a:r>
-              <a:rPr lang="sr-Latn-RS" dirty="0" err="1"/>
-              <a:t>Bayes</a:t>
-            </a:r>
-            <a:endParaRPr lang="sr-Latn-RS" dirty="0"/>
-          </a:p>
-        </p:txBody>
-      </p:sp>
+          <p:cNvPicPr>
+            <a:picLocks noChangeAspect="1"/>
+          </p:cNvPicPr>
+          <p:nvPr/>
+        </p:nvPicPr>
+        <p:blipFill>
+          <a:blip r:embed="rId2"/>
+          <a:stretch>
+            <a:fillRect/>
+          </a:stretch>
+        </p:blipFill>
+        <p:spPr>
+          <a:xfrm>
+            <a:off x="979100" y="1986520"/>
+            <a:ext cx="10233800" cy="3946797"/>
+          </a:xfrm>
+          <a:prstGeom prst="rect">
+            <a:avLst/>
+          </a:prstGeom>
+        </p:spPr>
+      </p:pic>
     </p:spTree>
     <p:extLst>
       <p:ext uri="{BB962C8B-B14F-4D97-AF65-F5344CB8AC3E}">
-        <p14:creationId xmlns:p14="http://schemas.microsoft.com/office/powerpoint/2010/main" val="1015815894"/>
+        <p14:creationId xmlns:p14="http://schemas.microsoft.com/office/powerpoint/2010/main" val="3776716268"/>
       </p:ext>
     </p:extLst>
   </p:cSld>
@@ -7746,6 +7788,127 @@
           <a:lstStyle/>
           <a:p>
             <a:r>
+              <a:rPr lang="sr-Latn-RS" dirty="0"/>
+              <a:t>Naive </a:t>
+            </a:r>
+            <a:r>
+              <a:rPr lang="sr-Latn-RS" dirty="0" err="1"/>
+              <a:t>Bayes</a:t>
+            </a:r>
+            <a:endParaRPr lang="sr-Latn-RS" dirty="0"/>
+          </a:p>
+        </p:txBody>
+      </p:sp>
+      <p:pic>
+        <p:nvPicPr>
+          <p:cNvPr id="5" name="Picture 4">
+            <a:extLst>
+              <a:ext uri="{FF2B5EF4-FFF2-40B4-BE49-F238E27FC236}">
+                <a16:creationId xmlns:a16="http://schemas.microsoft.com/office/drawing/2014/main" id="{A1F5556B-B8F9-6E6B-D620-993DD111DFC3}"/>
+              </a:ext>
+            </a:extLst>
+          </p:cNvPr>
+          <p:cNvPicPr>
+            <a:picLocks noChangeAspect="1"/>
+          </p:cNvPicPr>
+          <p:nvPr/>
+        </p:nvPicPr>
+        <p:blipFill>
+          <a:blip r:embed="rId2"/>
+          <a:stretch>
+            <a:fillRect/>
+          </a:stretch>
+        </p:blipFill>
+        <p:spPr>
+          <a:xfrm>
+            <a:off x="2079007" y="2756245"/>
+            <a:ext cx="8033986" cy="3303864"/>
+          </a:xfrm>
+          <a:prstGeom prst="rect">
+            <a:avLst/>
+          </a:prstGeom>
+        </p:spPr>
+      </p:pic>
+    </p:spTree>
+    <p:extLst>
+      <p:ext uri="{BB962C8B-B14F-4D97-AF65-F5344CB8AC3E}">
+        <p14:creationId xmlns:p14="http://schemas.microsoft.com/office/powerpoint/2010/main" val="1015815894"/>
+      </p:ext>
+    </p:extLst>
+  </p:cSld>
+  <p:clrMapOvr>
+    <a:masterClrMapping/>
+  </p:clrMapOvr>
+</p:sld>
+</file>
+
+<file path=ppt/slides/slide13.xml><?xml version="1.0" encoding="utf-8"?>
+<p:sld xmlns:a="http://schemas.openxmlformats.org/drawingml/2006/main" xmlns:r="http://schemas.openxmlformats.org/officeDocument/2006/relationships" xmlns:p="http://schemas.openxmlformats.org/presentationml/2006/main">
+  <p:cSld>
+    <p:spTree>
+      <p:nvGrpSpPr>
+        <p:cNvPr id="1" name=""/>
+        <p:cNvGrpSpPr/>
+        <p:nvPr/>
+      </p:nvGrpSpPr>
+      <p:grpSpPr>
+        <a:xfrm>
+          <a:off x="0" y="0"/>
+          <a:ext cx="0" cy="0"/>
+          <a:chOff x="0" y="0"/>
+          <a:chExt cx="0" cy="0"/>
+        </a:xfrm>
+      </p:grpSpPr>
+      <p:sp>
+        <p:nvSpPr>
+          <p:cNvPr id="2" name="Title 1">
+            <a:extLst>
+              <a:ext uri="{FF2B5EF4-FFF2-40B4-BE49-F238E27FC236}">
+                <a16:creationId xmlns:a16="http://schemas.microsoft.com/office/drawing/2014/main" id="{B4EA786F-9DD9-D6C0-F363-029DC3154B00}"/>
+              </a:ext>
+            </a:extLst>
+          </p:cNvPr>
+          <p:cNvSpPr>
+            <a:spLocks noGrp="1"/>
+          </p:cNvSpPr>
+          <p:nvPr>
+            <p:ph type="title"/>
+          </p:nvPr>
+        </p:nvSpPr>
+        <p:spPr/>
+        <p:txBody>
+          <a:bodyPr/>
+          <a:lstStyle/>
+          <a:p>
+            <a:r>
+              <a:rPr lang="sr-Latn-RS" dirty="0"/>
+              <a:t>Rezultati</a:t>
+            </a:r>
+          </a:p>
+        </p:txBody>
+      </p:sp>
+      <p:sp>
+        <p:nvSpPr>
+          <p:cNvPr id="3" name="Content Placeholder 2">
+            <a:extLst>
+              <a:ext uri="{FF2B5EF4-FFF2-40B4-BE49-F238E27FC236}">
+                <a16:creationId xmlns:a16="http://schemas.microsoft.com/office/drawing/2014/main" id="{AF38ECB6-F746-CAD6-ACA2-0C1A7811CDD6}"/>
+              </a:ext>
+            </a:extLst>
+          </p:cNvPr>
+          <p:cNvSpPr>
+            <a:spLocks noGrp="1"/>
+          </p:cNvSpPr>
+          <p:nvPr>
+            <p:ph idx="1"/>
+          </p:nvPr>
+        </p:nvSpPr>
+        <p:spPr/>
+        <p:txBody>
+          <a:bodyPr/>
+          <a:lstStyle/>
+          <a:p>
+            <a:r>
               <a:rPr lang="sr-Latn-RS" dirty="0" err="1"/>
               <a:t>Bagging</a:t>
             </a:r>
@@ -7753,10 +7916,121 @@
           </a:p>
         </p:txBody>
       </p:sp>
+      <p:pic>
+        <p:nvPicPr>
+          <p:cNvPr id="5" name="Picture 4">
+            <a:extLst>
+              <a:ext uri="{FF2B5EF4-FFF2-40B4-BE49-F238E27FC236}">
+                <a16:creationId xmlns:a16="http://schemas.microsoft.com/office/drawing/2014/main" id="{C93E3BB9-96C3-B5B2-0805-ED95886A1F7A}"/>
+              </a:ext>
+            </a:extLst>
+          </p:cNvPr>
+          <p:cNvPicPr>
+            <a:picLocks noChangeAspect="1"/>
+          </p:cNvPicPr>
+          <p:nvPr/>
+        </p:nvPicPr>
+        <p:blipFill>
+          <a:blip r:embed="rId2"/>
+          <a:stretch>
+            <a:fillRect/>
+          </a:stretch>
+        </p:blipFill>
+        <p:spPr>
+          <a:xfrm>
+            <a:off x="2193174" y="2792274"/>
+            <a:ext cx="7805651" cy="3210961"/>
+          </a:xfrm>
+          <a:prstGeom prst="rect">
+            <a:avLst/>
+          </a:prstGeom>
+        </p:spPr>
+      </p:pic>
     </p:spTree>
     <p:extLst>
       <p:ext uri="{BB962C8B-B14F-4D97-AF65-F5344CB8AC3E}">
         <p14:creationId xmlns:p14="http://schemas.microsoft.com/office/powerpoint/2010/main" val="1492061563"/>
+      </p:ext>
+    </p:extLst>
+  </p:cSld>
+  <p:clrMapOvr>
+    <a:masterClrMapping/>
+  </p:clrMapOvr>
+</p:sld>
+</file>
+
+<file path=ppt/slides/slide14.xml><?xml version="1.0" encoding="utf-8"?>
+<p:sld xmlns:a="http://schemas.openxmlformats.org/drawingml/2006/main" xmlns:r="http://schemas.openxmlformats.org/officeDocument/2006/relationships" xmlns:p="http://schemas.openxmlformats.org/presentationml/2006/main">
+  <p:cSld>
+    <p:spTree>
+      <p:nvGrpSpPr>
+        <p:cNvPr id="1" name=""/>
+        <p:cNvGrpSpPr/>
+        <p:nvPr/>
+      </p:nvGrpSpPr>
+      <p:grpSpPr>
+        <a:xfrm>
+          <a:off x="0" y="0"/>
+          <a:ext cx="0" cy="0"/>
+          <a:chOff x="0" y="0"/>
+          <a:chExt cx="0" cy="0"/>
+        </a:xfrm>
+      </p:grpSpPr>
+      <p:sp>
+        <p:nvSpPr>
+          <p:cNvPr id="2" name="Title 1">
+            <a:extLst>
+              <a:ext uri="{FF2B5EF4-FFF2-40B4-BE49-F238E27FC236}">
+                <a16:creationId xmlns:a16="http://schemas.microsoft.com/office/drawing/2014/main" id="{ADC2297B-26CF-3C0E-A232-9D818BE9CBFB}"/>
+              </a:ext>
+            </a:extLst>
+          </p:cNvPr>
+          <p:cNvSpPr>
+            <a:spLocks noGrp="1"/>
+          </p:cNvSpPr>
+          <p:nvPr>
+            <p:ph type="title"/>
+          </p:nvPr>
+        </p:nvSpPr>
+        <p:spPr>
+          <a:xfrm>
+            <a:off x="838200" y="2766218"/>
+            <a:ext cx="10515600" cy="1325563"/>
+          </a:xfrm>
+        </p:spPr>
+        <p:txBody>
+          <a:bodyPr/>
+          <a:lstStyle/>
+          <a:p>
+            <a:pPr algn="ctr"/>
+            <a:r>
+              <a:rPr lang="en-US" dirty="0" err="1"/>
+              <a:t>Hvala</a:t>
+            </a:r>
+            <a:r>
+              <a:rPr lang="en-US" dirty="0"/>
+              <a:t> </a:t>
+            </a:r>
+            <a:r>
+              <a:rPr lang="en-US" dirty="0" err="1"/>
+              <a:t>na</a:t>
+            </a:r>
+            <a:r>
+              <a:rPr lang="en-US" dirty="0"/>
+              <a:t> pa</a:t>
+            </a:r>
+            <a:r>
+              <a:rPr lang="sr-Latn-RS" dirty="0" err="1"/>
+              <a:t>žnji</a:t>
+            </a:r>
+            <a:endParaRPr lang="sr-Latn-RS" dirty="0"/>
+          </a:p>
+        </p:txBody>
+      </p:sp>
+    </p:spTree>
+    <p:extLst>
+      <p:ext uri="{BB962C8B-B14F-4D97-AF65-F5344CB8AC3E}">
+        <p14:creationId xmlns:p14="http://schemas.microsoft.com/office/powerpoint/2010/main" val="3607687844"/>
       </p:ext>
     </p:extLst>
   </p:cSld>
@@ -8027,13 +8301,13 @@
               <a:rPr lang="en-US" dirty="0">
                 <a:latin typeface="gg sans"/>
               </a:rPr>
-              <a:t>_____ </a:t>
+              <a:t>3,001 </a:t>
             </a:r>
             <a:r>
               <a:rPr lang="en-US" dirty="0" err="1">
                 <a:latin typeface="gg sans"/>
               </a:rPr>
-              <a:t>instanci</a:t>
+              <a:t>instanca</a:t>
             </a:r>
             <a:r>
               <a:rPr lang="en-US" dirty="0">
@@ -8372,6 +8646,21 @@
             <a:endParaRPr lang="sr-Latn-RS" dirty="0"/>
           </a:p>
           <a:p>
+            <a:r>
+              <a:rPr lang="sr-Latn-RS" dirty="0" err="1"/>
+              <a:t>Has</a:t>
+            </a:r>
+            <a:r>
+              <a:rPr lang="sr-Latn-RS" dirty="0"/>
+              <a:t> video </a:t>
+            </a:r>
+            <a:r>
+              <a:rPr lang="sr-Latn-RS" dirty="0" err="1"/>
+              <a:t>header</a:t>
+            </a:r>
+            <a:endParaRPr lang="sr-Latn-RS" dirty="0"/>
+          </a:p>
+          <a:p>
             <a:endParaRPr lang="sr-Latn-RS" dirty="0"/>
           </a:p>
         </p:txBody>
@@ -8692,8 +8981,8 @@
         </p:nvSpPr>
         <p:spPr>
           <a:xfrm>
-            <a:off x="1120000" y="3286124"/>
-            <a:ext cx="10233800" cy="2929145"/>
+            <a:off x="1120000" y="3286125"/>
+            <a:ext cx="10233800" cy="3206750"/>
           </a:xfrm>
           <a:prstGeom prst="rect">
             <a:avLst/>
@@ -9007,6 +9296,75 @@
               <a:rPr lang="sr-Latn-RS" dirty="0"/>
               <a:t> i broj neuspešnih projekata bude isti kad se algoritam trenira</a:t>
             </a:r>
+            <a:endParaRPr lang="en-US" dirty="0"/>
+          </a:p>
+          <a:p>
+            <a:r>
+              <a:rPr lang="en-US" dirty="0" err="1"/>
+              <a:t>Broj</a:t>
+            </a:r>
+            <a:r>
+              <a:rPr lang="en-US" dirty="0"/>
+              <a:t> </a:t>
+            </a:r>
+            <a:r>
+              <a:rPr lang="en-US" dirty="0" err="1"/>
+              <a:t>projekata</a:t>
+            </a:r>
+            <a:r>
+              <a:rPr lang="en-US" dirty="0"/>
+              <a:t> </a:t>
+            </a:r>
+            <a:r>
+              <a:rPr lang="en-US" dirty="0" err="1"/>
+              <a:t>nakon</a:t>
+            </a:r>
+            <a:br>
+              <a:rPr lang="en-US" dirty="0"/>
+            </a:br>
+            <a:r>
+              <a:rPr lang="en-US" dirty="0" err="1"/>
+              <a:t>balansiranja</a:t>
+            </a:r>
+            <a:r>
+              <a:rPr lang="en-US" dirty="0"/>
+              <a:t> je 2496</a:t>
+            </a:r>
+            <a:endParaRPr lang="sr-Latn-RS" dirty="0"/>
+          </a:p>
+          <a:p>
+            <a:r>
+              <a:rPr lang="sr-Latn-RS" dirty="0"/>
+              <a:t>Odnos </a:t>
+            </a:r>
+            <a:r>
+              <a:rPr lang="sr-Latn-RS" dirty="0" err="1"/>
+              <a:t>testnog</a:t>
+            </a:r>
+            <a:r>
+              <a:rPr lang="en-US" dirty="0"/>
+              <a:t> I </a:t>
+            </a:r>
+            <a:r>
+              <a:rPr lang="en-US" dirty="0" err="1"/>
+              <a:t>trening</a:t>
+            </a:r>
+            <a:r>
+              <a:rPr lang="en-US" dirty="0"/>
+              <a:t> </a:t>
+            </a:r>
+            <a:br>
+              <a:rPr lang="en-US" dirty="0"/>
+            </a:br>
+            <a:r>
+              <a:rPr lang="en-US" dirty="0" err="1"/>
+              <a:t>skupa</a:t>
+            </a:r>
+            <a:r>
+              <a:rPr lang="en-US" dirty="0"/>
+              <a:t>: 30/70</a:t>
+            </a:r>
+            <a:endParaRPr lang="sr-Latn-RS" dirty="0"/>
           </a:p>
           <a:p>
             <a:pPr marL="0" indent="0">
@@ -9032,13 +9390,13 @@
           <p:nvPr>
             <p:extLst>
               <p:ext uri="{D42A27DB-BD31-4B8C-83A1-F6EECF244321}">
-                <p14:modId xmlns:p14="http://schemas.microsoft.com/office/powerpoint/2010/main" val="3391862606"/>
+                <p14:modId xmlns:p14="http://schemas.microsoft.com/office/powerpoint/2010/main" val="798044115"/>
               </p:ext>
             </p:extLst>
           </p:nvPr>
         </p:nvGraphicFramePr>
         <p:xfrm>
-          <a:off x="5899640" y="4082480"/>
+          <a:off x="7741138" y="4083290"/>
           <a:ext cx="3612662" cy="2410395"/>
         </p:xfrm>
         <a:graphic>
@@ -9060,13 +9418,13 @@
           <p:nvPr>
             <p:extLst>
               <p:ext uri="{D42A27DB-BD31-4B8C-83A1-F6EECF244321}">
-                <p14:modId xmlns:p14="http://schemas.microsoft.com/office/powerpoint/2010/main" val="2406513767"/>
+                <p14:modId xmlns:p14="http://schemas.microsoft.com/office/powerpoint/2010/main" val="2048691157"/>
               </p:ext>
             </p:extLst>
           </p:nvPr>
         </p:nvGraphicFramePr>
         <p:xfrm>
-          <a:off x="2029432" y="4082480"/>
+          <a:off x="4735369" y="4082480"/>
           <a:ext cx="3612662" cy="2410395"/>
         </p:xfrm>
         <a:graphic>
@@ -9436,9 +9794,16 @@
             <p:ph idx="1"/>
           </p:nvPr>
         </p:nvSpPr>
-        <p:spPr/>
-        <p:txBody>
-          <a:bodyPr/>
+        <p:spPr>
+          <a:xfrm>
+            <a:off x="1120000" y="1825626"/>
+            <a:ext cx="10233800" cy="533262"/>
+          </a:xfrm>
+        </p:spPr>
+        <p:txBody>
+          <a:bodyPr>
+            <a:normAutofit/>
+          </a:bodyPr>
           <a:lstStyle/>
           <a:p>
             <a:r>
@@ -9449,10 +9814,40 @@
               <a:rPr lang="sr-Latn-RS" dirty="0" err="1"/>
               <a:t>Forest</a:t>
             </a:r>
-            <a:endParaRPr lang="sr-Latn-RS" dirty="0"/>
-          </a:p>
-        </p:txBody>
-      </p:sp>
+            <a:endParaRPr lang="en-US" dirty="0"/>
+          </a:p>
+        </p:txBody>
+      </p:sp>
+      <p:pic>
+        <p:nvPicPr>
+          <p:cNvPr id="9" name="Picture 8">
+            <a:extLst>
+              <a:ext uri="{FF2B5EF4-FFF2-40B4-BE49-F238E27FC236}">
+                <a16:creationId xmlns:a16="http://schemas.microsoft.com/office/drawing/2014/main" id="{2AD08D09-32E4-AEC1-1C10-C023C7DC00D7}"/>
+              </a:ext>
+            </a:extLst>
+          </p:cNvPr>
+          <p:cNvPicPr>
+            <a:picLocks noChangeAspect="1"/>
+          </p:cNvPicPr>
+          <p:nvPr/>
+        </p:nvPicPr>
+        <p:blipFill>
+          <a:blip r:embed="rId2"/>
+          <a:stretch>
+            <a:fillRect/>
+          </a:stretch>
+        </p:blipFill>
+        <p:spPr>
+          <a:xfrm>
+            <a:off x="1881574" y="2731156"/>
+            <a:ext cx="8428852" cy="3535913"/>
+          </a:xfrm>
+          <a:prstGeom prst="rect">
+            <a:avLst/>
+          </a:prstGeom>
+        </p:spPr>
+      </p:pic>
     </p:spTree>
     <p:extLst>
       <p:ext uri="{BB962C8B-B14F-4D97-AF65-F5344CB8AC3E}">
@@ -9540,6 +9935,36 @@
           </a:p>
         </p:txBody>
       </p:sp>
+      <p:pic>
+        <p:nvPicPr>
+          <p:cNvPr id="5" name="Picture 4">
+            <a:extLst>
+              <a:ext uri="{FF2B5EF4-FFF2-40B4-BE49-F238E27FC236}">
+                <a16:creationId xmlns:a16="http://schemas.microsoft.com/office/drawing/2014/main" id="{84703A9C-9FE8-20F4-9927-C08FBB882934}"/>
+              </a:ext>
+            </a:extLst>
+          </p:cNvPr>
+          <p:cNvPicPr>
+            <a:picLocks noChangeAspect="1"/>
+          </p:cNvPicPr>
+          <p:nvPr/>
+        </p:nvPicPr>
+        <p:blipFill>
+          <a:blip r:embed="rId2"/>
+          <a:stretch>
+            <a:fillRect/>
+          </a:stretch>
+        </p:blipFill>
+        <p:spPr>
+          <a:xfrm>
+            <a:off x="1829860" y="2685636"/>
+            <a:ext cx="8532280" cy="3491327"/>
+          </a:xfrm>
+          <a:prstGeom prst="rect">
+            <a:avLst/>
+          </a:prstGeom>
+        </p:spPr>
+      </p:pic>
     </p:spTree>
     <p:extLst>
       <p:ext uri="{BB962C8B-B14F-4D97-AF65-F5344CB8AC3E}">
